--- a/REST_API_OnlineStore.pptx
+++ b/REST_API_OnlineStore.pptx
@@ -12,9 +12,9 @@
     <p:sldId id="267" r:id="rId3"/>
     <p:sldId id="257" r:id="rId4"/>
     <p:sldId id="258" r:id="rId5"/>
-    <p:sldId id="259" r:id="rId6"/>
+    <p:sldId id="261" r:id="rId6"/>
     <p:sldId id="260" r:id="rId7"/>
-    <p:sldId id="261" r:id="rId8"/>
+    <p:sldId id="259" r:id="rId8"/>
     <p:sldId id="262" r:id="rId9"/>
     <p:sldId id="263" r:id="rId10"/>
     <p:sldId id="264" r:id="rId11"/>
@@ -1794,7 +1794,7 @@
             <a:fld id="{EB376B3C-594C-4C39-AE03-15328BCFF587}" type="datetime1">
               <a:rPr lang="ru-RU" smtClean="0"/>
               <a:pPr/>
-              <a:t>05.11.2025</a:t>
+              <a:t>12.11.2025</a:t>
             </a:fld>
             <a:endParaRPr lang="ru-RU" dirty="0"/>
           </a:p>
@@ -2093,7 +2093,7 @@
             <a:fld id="{EB376B3C-594C-4C39-AE03-15328BCFF587}" type="datetime1">
               <a:rPr lang="ru-RU" smtClean="0"/>
               <a:pPr/>
-              <a:t>05.11.2025</a:t>
+              <a:t>12.11.2025</a:t>
             </a:fld>
             <a:endParaRPr lang="ru-RU" dirty="0"/>
           </a:p>
@@ -2344,7 +2344,7 @@
             <a:fld id="{EB376B3C-594C-4C39-AE03-15328BCFF587}" type="datetime1">
               <a:rPr lang="ru-RU" smtClean="0"/>
               <a:pPr/>
-              <a:t>05.11.2025</a:t>
+              <a:t>12.11.2025</a:t>
             </a:fld>
             <a:endParaRPr lang="ru-RU" dirty="0"/>
           </a:p>
@@ -2887,7 +2887,7 @@
             <a:fld id="{EB376B3C-594C-4C39-AE03-15328BCFF587}" type="datetime1">
               <a:rPr lang="ru-RU" smtClean="0"/>
               <a:pPr/>
-              <a:t>05.11.2025</a:t>
+              <a:t>12.11.2025</a:t>
             </a:fld>
             <a:endParaRPr lang="ru-RU" dirty="0"/>
           </a:p>
@@ -3138,7 +3138,7 @@
             <a:fld id="{EB376B3C-594C-4C39-AE03-15328BCFF587}" type="datetime1">
               <a:rPr lang="ru-RU" smtClean="0"/>
               <a:pPr/>
-              <a:t>05.11.2025</a:t>
+              <a:t>12.11.2025</a:t>
             </a:fld>
             <a:endParaRPr lang="ru-RU" dirty="0"/>
           </a:p>
@@ -3673,7 +3673,7 @@
             <a:fld id="{EB376B3C-594C-4C39-AE03-15328BCFF587}" type="datetime1">
               <a:rPr lang="ru-RU" smtClean="0"/>
               <a:pPr/>
-              <a:t>05.11.2025</a:t>
+              <a:t>12.11.2025</a:t>
             </a:fld>
             <a:endParaRPr lang="ru-RU" dirty="0"/>
           </a:p>
@@ -3973,7 +3973,7 @@
             <a:fld id="{EB376B3C-594C-4C39-AE03-15328BCFF587}" type="datetime1">
               <a:rPr lang="ru-RU" smtClean="0"/>
               <a:pPr/>
-              <a:t>05.11.2025</a:t>
+              <a:t>12.11.2025</a:t>
             </a:fld>
             <a:endParaRPr lang="ru-RU" dirty="0"/>
           </a:p>
@@ -4150,7 +4150,7 @@
             <a:fld id="{EB376B3C-594C-4C39-AE03-15328BCFF587}" type="datetime1">
               <a:rPr lang="ru-RU" smtClean="0"/>
               <a:pPr/>
-              <a:t>05.11.2025</a:t>
+              <a:t>12.11.2025</a:t>
             </a:fld>
             <a:endParaRPr lang="ru-RU" dirty="0"/>
           </a:p>
@@ -4333,7 +4333,7 @@
             <a:fld id="{EB376B3C-594C-4C39-AE03-15328BCFF587}" type="datetime1">
               <a:rPr lang="ru-RU" smtClean="0"/>
               <a:pPr/>
-              <a:t>05.11.2025</a:t>
+              <a:t>12.11.2025</a:t>
             </a:fld>
             <a:endParaRPr lang="ru-RU" dirty="0"/>
           </a:p>
@@ -4541,7 +4541,7 @@
             <a:fld id="{EB376B3C-594C-4C39-AE03-15328BCFF587}" type="datetime1">
               <a:rPr lang="ru-RU" smtClean="0"/>
               <a:pPr/>
-              <a:t>05.11.2025</a:t>
+              <a:t>12.11.2025</a:t>
             </a:fld>
             <a:endParaRPr lang="ru-RU" dirty="0"/>
           </a:p>
@@ -4795,7 +4795,7 @@
             <a:fld id="{EB376B3C-594C-4C39-AE03-15328BCFF587}" type="datetime1">
               <a:rPr lang="ru-RU" smtClean="0"/>
               <a:pPr/>
-              <a:t>05.11.2025</a:t>
+              <a:t>12.11.2025</a:t>
             </a:fld>
             <a:endParaRPr lang="ru-RU" dirty="0"/>
           </a:p>
@@ -5095,7 +5095,7 @@
             <a:fld id="{EB376B3C-594C-4C39-AE03-15328BCFF587}" type="datetime1">
               <a:rPr lang="ru-RU" smtClean="0"/>
               <a:pPr/>
-              <a:t>05.11.2025</a:t>
+              <a:t>12.11.2025</a:t>
             </a:fld>
             <a:endParaRPr lang="ru-RU" dirty="0"/>
           </a:p>
@@ -5540,7 +5540,7 @@
             <a:fld id="{EB376B3C-594C-4C39-AE03-15328BCFF587}" type="datetime1">
               <a:rPr lang="ru-RU" smtClean="0"/>
               <a:pPr/>
-              <a:t>05.11.2025</a:t>
+              <a:t>12.11.2025</a:t>
             </a:fld>
             <a:endParaRPr lang="ru-RU" dirty="0"/>
           </a:p>
@@ -5661,7 +5661,7 @@
             <a:fld id="{EB376B3C-594C-4C39-AE03-15328BCFF587}" type="datetime1">
               <a:rPr lang="ru-RU" smtClean="0"/>
               <a:pPr/>
-              <a:t>05.11.2025</a:t>
+              <a:t>12.11.2025</a:t>
             </a:fld>
             <a:endParaRPr lang="ru-RU" dirty="0"/>
           </a:p>
@@ -5759,7 +5759,7 @@
             <a:fld id="{EB376B3C-594C-4C39-AE03-15328BCFF587}" type="datetime1">
               <a:rPr lang="ru-RU" smtClean="0"/>
               <a:pPr/>
-              <a:t>05.11.2025</a:t>
+              <a:t>12.11.2025</a:t>
             </a:fld>
             <a:endParaRPr lang="ru-RU" dirty="0"/>
           </a:p>
@@ -6045,7 +6045,7 @@
             <a:fld id="{EB376B3C-594C-4C39-AE03-15328BCFF587}" type="datetime1">
               <a:rPr lang="ru-RU" smtClean="0"/>
               <a:pPr/>
-              <a:t>05.11.2025</a:t>
+              <a:t>12.11.2025</a:t>
             </a:fld>
             <a:endParaRPr lang="ru-RU" dirty="0"/>
           </a:p>
@@ -6339,7 +6339,7 @@
             <a:fld id="{EB376B3C-594C-4C39-AE03-15328BCFF587}" type="datetime1">
               <a:rPr lang="ru-RU" smtClean="0"/>
               <a:pPr/>
-              <a:t>05.11.2025</a:t>
+              <a:t>12.11.2025</a:t>
             </a:fld>
             <a:endParaRPr lang="ru-RU" dirty="0"/>
           </a:p>
@@ -6914,7 +6914,7 @@
             <a:fld id="{EB376B3C-594C-4C39-AE03-15328BCFF587}" type="datetime1">
               <a:rPr lang="ru-RU" smtClean="0"/>
               <a:pPr/>
-              <a:t>05.11.2025</a:t>
+              <a:t>12.11.2025</a:t>
             </a:fld>
             <a:endParaRPr lang="ru-RU" dirty="0"/>
           </a:p>
@@ -7538,7 +7538,7 @@
                   <a:srgbClr val="000000"/>
                 </a:solidFill>
               </a:rPr>
-              <a:t> Онлайн магазина</a:t>
+              <a:t> онлайн магазина</a:t>
             </a:r>
             <a:endParaRPr lang="en-US" sz="2200" dirty="0"/>
           </a:p>
@@ -8332,6 +8332,22 @@
                 </a:solidFill>
               </a:rPr>
               <a:t>Гибридный подход: вертикальное для записи + горизонтальное для</a:t>
+            </a:r>
+            <a:r>
+              <a:rPr lang="en-US" sz="1400" dirty="0">
+                <a:solidFill>
+                  <a:srgbClr val="000000"/>
+                </a:solidFill>
+              </a:rPr>
+              <a:t> </a:t>
+            </a:r>
+            <a:r>
+              <a:rPr lang="ru-RU" sz="1400" dirty="0">
+                <a:solidFill>
+                  <a:srgbClr val="000000"/>
+                </a:solidFill>
+              </a:rPr>
+              <a:t>чтения</a:t>
             </a:r>
             <a:endParaRPr lang="en-US" sz="1400" dirty="0">
               <a:solidFill>
@@ -9300,7 +9316,7 @@
         </p:blipFill>
         <p:spPr>
           <a:xfrm>
-            <a:off x="2365513" y="283463"/>
+            <a:off x="2365513" y="989827"/>
             <a:ext cx="8507197" cy="3415025"/>
           </a:xfrm>
           <a:prstGeom prst="rect">
@@ -9316,7 +9332,7 @@
         </p:nvSpPr>
         <p:spPr>
           <a:xfrm>
-            <a:off x="4202526" y="3828190"/>
+            <a:off x="4202526" y="117116"/>
             <a:ext cx="5985164" cy="581891"/>
           </a:xfrm>
           <a:prstGeom prst="rect">
@@ -9517,6 +9533,548 @@
 </file>
 
 <file path=ppt/slides/slide5.xml><?xml version="1.0" encoding="utf-8"?>
+<p:sld xmlns:a="http://schemas.openxmlformats.org/drawingml/2006/main" xmlns:r="http://schemas.openxmlformats.org/officeDocument/2006/relationships" xmlns:p="http://schemas.openxmlformats.org/presentationml/2006/main">
+  <p:cSld>
+    <p:spTree>
+      <p:nvGrpSpPr>
+        <p:cNvPr id="1" name=""/>
+        <p:cNvGrpSpPr/>
+        <p:nvPr/>
+      </p:nvGrpSpPr>
+      <p:grpSpPr>
+        <a:xfrm>
+          <a:off x="0" y="0"/>
+          <a:ext cx="0" cy="0"/>
+          <a:chOff x="0" y="0"/>
+          <a:chExt cx="0" cy="0"/>
+        </a:xfrm>
+      </p:grpSpPr>
+      <p:sp>
+        <p:nvSpPr>
+          <p:cNvPr id="3" name="Text 0"/>
+          <p:cNvSpPr/>
+          <p:nvPr/>
+        </p:nvSpPr>
+        <p:spPr>
+          <a:xfrm>
+            <a:off x="4196743" y="594725"/>
+            <a:ext cx="5458999" cy="581891"/>
+          </a:xfrm>
+          <a:prstGeom prst="rect">
+            <a:avLst/>
+          </a:prstGeom>
+          <a:noFill/>
+          <a:ln/>
+        </p:spPr>
+        <p:txBody>
+          <a:bodyPr wrap="square" rtlCol="0" anchor="ctr"/>
+          <a:lstStyle/>
+          <a:p>
+            <a:pPr marL="0" indent="0" algn="l">
+              <a:buNone/>
+            </a:pPr>
+            <a:r>
+              <a:rPr lang="ru-RU" sz="2200" b="1" dirty="0">
+                <a:solidFill>
+                  <a:srgbClr val="000000"/>
+                </a:solidFill>
+              </a:rPr>
+              <a:t>Требования к REST API онлайн-магазина</a:t>
+            </a:r>
+            <a:endParaRPr lang="en-US" sz="2200" dirty="0"/>
+          </a:p>
+        </p:txBody>
+      </p:sp>
+      <p:sp>
+        <p:nvSpPr>
+          <p:cNvPr id="4" name="Text 1"/>
+          <p:cNvSpPr/>
+          <p:nvPr/>
+        </p:nvSpPr>
+        <p:spPr>
+          <a:xfrm>
+            <a:off x="1968868" y="1738563"/>
+            <a:ext cx="4849091" cy="4305956"/>
+          </a:xfrm>
+          <a:prstGeom prst="rect">
+            <a:avLst/>
+          </a:prstGeom>
+          <a:solidFill>
+            <a:schemeClr val="accent1">
+              <a:lumMod val="40000"/>
+              <a:lumOff val="60000"/>
+            </a:schemeClr>
+          </a:solidFill>
+          <a:ln/>
+        </p:spPr>
+        <p:txBody>
+          <a:bodyPr wrap="square" rtlCol="0" anchor="ctr"/>
+          <a:lstStyle/>
+          <a:p>
+            <a:r>
+              <a:rPr lang="ru-RU" sz="1600" b="1" dirty="0"/>
+              <a:t>Функциональные требования</a:t>
+            </a:r>
+          </a:p>
+          <a:p>
+            <a:endParaRPr lang="ru-RU" sz="1200" b="1" dirty="0"/>
+          </a:p>
+          <a:p>
+            <a:r>
+              <a:rPr lang="ru-RU" sz="1200" b="1" dirty="0"/>
+              <a:t>Бизнес-требования:</a:t>
+            </a:r>
+            <a:endParaRPr lang="ru-RU" sz="1200" dirty="0"/>
+          </a:p>
+          <a:p>
+            <a:pPr marL="171450" indent="-171450">
+              <a:buFont typeface="Arial" panose="020B0604020202020204" pitchFamily="34" charset="0"/>
+              <a:buChar char="•"/>
+            </a:pPr>
+            <a:r>
+              <a:rPr lang="ru-RU" sz="1200" dirty="0"/>
+              <a:t>Полный CRUD для товаров, заказов, пользователей</a:t>
+            </a:r>
+          </a:p>
+          <a:p>
+            <a:pPr marL="171450" indent="-171450">
+              <a:buFont typeface="Arial" panose="020B0604020202020204" pitchFamily="34" charset="0"/>
+              <a:buChar char="•"/>
+            </a:pPr>
+            <a:r>
+              <a:rPr lang="ru-RU" sz="1200" dirty="0"/>
+              <a:t>Автоматизация бизнес-процессов через API</a:t>
+            </a:r>
+          </a:p>
+          <a:p>
+            <a:pPr marL="171450" indent="-171450">
+              <a:buFont typeface="Arial" panose="020B0604020202020204" pitchFamily="34" charset="0"/>
+              <a:buChar char="•"/>
+            </a:pPr>
+            <a:r>
+              <a:rPr lang="ru-RU" sz="1200" dirty="0"/>
+              <a:t>Валидация данных и контроль доступа (JWT)</a:t>
+            </a:r>
+          </a:p>
+          <a:p>
+            <a:pPr marL="171450" indent="-171450">
+              <a:buFont typeface="Arial" panose="020B0604020202020204" pitchFamily="34" charset="0"/>
+              <a:buChar char="•"/>
+            </a:pPr>
+            <a:r>
+              <a:rPr lang="ru-RU" sz="1200" dirty="0"/>
+              <a:t>Разделение прав: пользователи → заказы, админы → товары</a:t>
+            </a:r>
+          </a:p>
+          <a:p>
+            <a:endParaRPr lang="en-US" sz="1200" b="1" dirty="0"/>
+          </a:p>
+          <a:p>
+            <a:r>
+              <a:rPr lang="ru-RU" sz="1200" b="1" dirty="0"/>
+              <a:t>Клиентское приложение:</a:t>
+            </a:r>
+            <a:endParaRPr lang="ru-RU" sz="1200" dirty="0"/>
+          </a:p>
+          <a:p>
+            <a:pPr marL="171450" indent="-171450">
+              <a:buFont typeface="Arial" panose="020B0604020202020204" pitchFamily="34" charset="0"/>
+              <a:buChar char="•"/>
+            </a:pPr>
+            <a:r>
+              <a:rPr lang="ru-RU" sz="1200" dirty="0"/>
+              <a:t>Просмотр товаров с пагинацией и фильтрацией</a:t>
+            </a:r>
+          </a:p>
+          <a:p>
+            <a:pPr marL="171450" indent="-171450">
+              <a:buFont typeface="Arial" panose="020B0604020202020204" pitchFamily="34" charset="0"/>
+              <a:buChar char="•"/>
+            </a:pPr>
+            <a:r>
+              <a:rPr lang="ru-RU" sz="1200" dirty="0"/>
+              <a:t>Управление корзиной покупок</a:t>
+            </a:r>
+          </a:p>
+          <a:p>
+            <a:pPr marL="171450" indent="-171450">
+              <a:buFont typeface="Arial" panose="020B0604020202020204" pitchFamily="34" charset="0"/>
+              <a:buChar char="•"/>
+            </a:pPr>
+            <a:r>
+              <a:rPr lang="ru-RU" sz="1200" dirty="0"/>
+              <a:t>Создание и отслеживание заказов</a:t>
+            </a:r>
+          </a:p>
+          <a:p>
+            <a:pPr marL="171450" indent="-171450">
+              <a:buFont typeface="Arial" panose="020B0604020202020204" pitchFamily="34" charset="0"/>
+              <a:buChar char="•"/>
+            </a:pPr>
+            <a:r>
+              <a:rPr lang="ru-RU" sz="1200" dirty="0"/>
+              <a:t>Регистрация и аутентификация пользователей</a:t>
+            </a:r>
+          </a:p>
+          <a:p>
+            <a:endParaRPr lang="en-US" sz="1200" b="1" dirty="0"/>
+          </a:p>
+          <a:p>
+            <a:r>
+              <a:rPr lang="ru-RU" sz="1200" b="1" dirty="0"/>
+              <a:t>Административная система:</a:t>
+            </a:r>
+            <a:endParaRPr lang="ru-RU" sz="1200" dirty="0"/>
+          </a:p>
+          <a:p>
+            <a:pPr marL="171450" indent="-171450">
+              <a:buFont typeface="Arial" panose="020B0604020202020204" pitchFamily="34" charset="0"/>
+              <a:buChar char="•"/>
+            </a:pPr>
+            <a:r>
+              <a:rPr lang="ru-RU" sz="1200" dirty="0"/>
+              <a:t>Полное управление товарным каталогом (CRUD)</a:t>
+            </a:r>
+          </a:p>
+          <a:p>
+            <a:pPr marL="171450" indent="-171450">
+              <a:buFont typeface="Arial" panose="020B0604020202020204" pitchFamily="34" charset="0"/>
+              <a:buChar char="•"/>
+            </a:pPr>
+            <a:r>
+              <a:rPr lang="ru-RU" sz="1200" dirty="0"/>
+              <a:t>Управление статусами заказов и пользователями</a:t>
+            </a:r>
+          </a:p>
+          <a:p>
+            <a:pPr marL="171450" indent="-171450">
+              <a:buFont typeface="Arial" panose="020B0604020202020204" pitchFamily="34" charset="0"/>
+              <a:buChar char="•"/>
+            </a:pPr>
+            <a:r>
+              <a:rPr lang="ru-RU" sz="1200" dirty="0"/>
+              <a:t>Аналитика продаж</a:t>
+            </a:r>
+          </a:p>
+          <a:p>
+            <a:pPr marL="171450" indent="-171450">
+              <a:buFont typeface="Arial" panose="020B0604020202020204" pitchFamily="34" charset="0"/>
+              <a:buChar char="•"/>
+            </a:pPr>
+            <a:r>
+              <a:rPr lang="ru-RU" sz="1200" dirty="0"/>
+              <a:t>Модерация пользователей</a:t>
+            </a:r>
+          </a:p>
+          <a:p>
+            <a:endParaRPr lang="en-US" sz="1200" b="1" dirty="0"/>
+          </a:p>
+          <a:p>
+            <a:r>
+              <a:rPr lang="ru-RU" sz="1200" b="1" dirty="0"/>
+              <a:t>Ключевые эндпоинты:</a:t>
+            </a:r>
+            <a:endParaRPr lang="ru-RU" sz="1200" dirty="0"/>
+          </a:p>
+          <a:p>
+            <a:pPr marL="171450" indent="-171450">
+              <a:buFont typeface="Wingdings" panose="05000000000000000000" pitchFamily="2" charset="2"/>
+              <a:buChar char="Ø"/>
+            </a:pPr>
+            <a:r>
+              <a:rPr lang="ru-RU" sz="1200" dirty="0"/>
+              <a:t>Товары: GET/POST/PUT/DELETE /api/products</a:t>
+            </a:r>
+          </a:p>
+          <a:p>
+            <a:pPr marL="171450" indent="-171450">
+              <a:buFont typeface="Wingdings" panose="05000000000000000000" pitchFamily="2" charset="2"/>
+              <a:buChar char="Ø"/>
+            </a:pPr>
+            <a:r>
+              <a:rPr lang="ru-RU" sz="1200" dirty="0"/>
+              <a:t>Заказы: GET/POST/PUT/DELETE /api/orders</a:t>
+            </a:r>
+          </a:p>
+        </p:txBody>
+      </p:sp>
+      <p:sp>
+        <p:nvSpPr>
+          <p:cNvPr id="5" name="Text 2"/>
+          <p:cNvSpPr/>
+          <p:nvPr/>
+        </p:nvSpPr>
+        <p:spPr>
+          <a:xfrm>
+            <a:off x="7154844" y="1738562"/>
+            <a:ext cx="4467662" cy="4305955"/>
+          </a:xfrm>
+          <a:prstGeom prst="rect">
+            <a:avLst/>
+          </a:prstGeom>
+          <a:solidFill>
+            <a:schemeClr val="accent1">
+              <a:lumMod val="40000"/>
+              <a:lumOff val="60000"/>
+            </a:schemeClr>
+          </a:solidFill>
+          <a:ln/>
+        </p:spPr>
+        <p:txBody>
+          <a:bodyPr wrap="square" rtlCol="0" anchor="ctr"/>
+          <a:lstStyle/>
+          <a:p>
+            <a:r>
+              <a:rPr lang="ru-RU" sz="1600" b="1" dirty="0"/>
+              <a:t>Нефункциональные требования</a:t>
+            </a:r>
+          </a:p>
+          <a:p>
+            <a:endParaRPr lang="en-US" sz="1200" b="1" dirty="0"/>
+          </a:p>
+          <a:p>
+            <a:endParaRPr lang="en-US" sz="1200" b="1" dirty="0"/>
+          </a:p>
+          <a:p>
+            <a:endParaRPr lang="en-US" sz="1200" b="1" dirty="0"/>
+          </a:p>
+          <a:p>
+            <a:r>
+              <a:rPr lang="ru-RU" sz="1200" b="1" dirty="0"/>
+              <a:t>Производительность:</a:t>
+            </a:r>
+            <a:endParaRPr lang="ru-RU" sz="1200" dirty="0"/>
+          </a:p>
+          <a:p>
+            <a:r>
+              <a:rPr lang="ru-RU" sz="1200" dirty="0"/>
+              <a:t>Время ответа:</a:t>
+            </a:r>
+          </a:p>
+          <a:p>
+            <a:pPr lvl="1"/>
+            <a:r>
+              <a:rPr lang="ru-RU" sz="1200" dirty="0"/>
+              <a:t>Операции чтения: ≤ 50 мс</a:t>
+            </a:r>
+          </a:p>
+          <a:p>
+            <a:pPr lvl="1"/>
+            <a:r>
+              <a:rPr lang="ru-RU" sz="1200" dirty="0"/>
+              <a:t>Создание/обновление: ≤ 100 мс</a:t>
+            </a:r>
+          </a:p>
+          <a:p>
+            <a:pPr lvl="1"/>
+            <a:r>
+              <a:rPr lang="ru-RU" sz="1200" dirty="0"/>
+              <a:t>Транзакции (заказы): ≤ 200 мс</a:t>
+            </a:r>
+          </a:p>
+          <a:p>
+            <a:r>
+              <a:rPr lang="ru-RU" sz="1200" dirty="0"/>
+              <a:t>Нагрузка:</a:t>
+            </a:r>
+          </a:p>
+          <a:p>
+            <a:pPr lvl="1"/>
+            <a:r>
+              <a:rPr lang="ru-RU" sz="1200" dirty="0"/>
+              <a:t>Эндпоинты чтения: 1000 RPS</a:t>
+            </a:r>
+          </a:p>
+          <a:p>
+            <a:pPr lvl="1"/>
+            <a:r>
+              <a:rPr lang="ru-RU" sz="1200" dirty="0"/>
+              <a:t>Эндпоинты записи: 100 RPS</a:t>
+            </a:r>
+          </a:p>
+          <a:p>
+            <a:endParaRPr lang="en-US" sz="1200" b="1" dirty="0"/>
+          </a:p>
+          <a:p>
+            <a:r>
+              <a:rPr lang="ru-RU" sz="1200" b="1" dirty="0"/>
+              <a:t>Надежность:</a:t>
+            </a:r>
+            <a:endParaRPr lang="ru-RU" sz="1200" dirty="0"/>
+          </a:p>
+          <a:p>
+            <a:pPr marL="171450" indent="-171450">
+              <a:buFont typeface="Arial" panose="020B0604020202020204" pitchFamily="34" charset="0"/>
+              <a:buChar char="•"/>
+            </a:pPr>
+            <a:r>
+              <a:rPr lang="ru-RU" sz="1200" dirty="0"/>
+              <a:t>Атомарность транзакций (PostgreSQL)</a:t>
+            </a:r>
+          </a:p>
+          <a:p>
+            <a:pPr marL="171450" indent="-171450">
+              <a:buFont typeface="Arial" panose="020B0604020202020204" pitchFamily="34" charset="0"/>
+              <a:buChar char="•"/>
+            </a:pPr>
+            <a:r>
+              <a:rPr lang="ru-RU" sz="1200" dirty="0"/>
+              <a:t>Целостность данных (ссылочная целостность на уровне API)</a:t>
+            </a:r>
+          </a:p>
+          <a:p>
+            <a:pPr marL="171450" indent="-171450">
+              <a:buFont typeface="Arial" panose="020B0604020202020204" pitchFamily="34" charset="0"/>
+              <a:buChar char="•"/>
+            </a:pPr>
+            <a:r>
+              <a:rPr lang="ru-RU" sz="1200" dirty="0"/>
+              <a:t>Откат при ошибках в сложных операциях</a:t>
+            </a:r>
+          </a:p>
+          <a:p>
+            <a:endParaRPr lang="en-US" sz="1200" b="1" dirty="0"/>
+          </a:p>
+          <a:p>
+            <a:r>
+              <a:rPr lang="ru-RU" sz="1200" b="1" dirty="0"/>
+              <a:t>Архитектура:</a:t>
+            </a:r>
+            <a:endParaRPr lang="ru-RU" sz="1200" dirty="0"/>
+          </a:p>
+          <a:p>
+            <a:pPr marL="171450" indent="-171450">
+              <a:buFont typeface="Arial" panose="020B0604020202020204" pitchFamily="34" charset="0"/>
+              <a:buChar char="•"/>
+            </a:pPr>
+            <a:r>
+              <a:rPr lang="ru-RU" sz="1200" dirty="0"/>
+              <a:t>RESTful стандарты (HTTP методы, коды состояния)</a:t>
+            </a:r>
+          </a:p>
+          <a:p>
+            <a:pPr marL="171450" indent="-171450">
+              <a:buFont typeface="Arial" panose="020B0604020202020204" pitchFamily="34" charset="0"/>
+              <a:buChar char="•"/>
+            </a:pPr>
+            <a:r>
+              <a:rPr lang="ru-RU" sz="1200" dirty="0"/>
+              <a:t>Валидация входных данных для всех операций</a:t>
+            </a:r>
+          </a:p>
+          <a:p>
+            <a:pPr marL="171450" indent="-171450">
+              <a:buFont typeface="Arial" panose="020B0604020202020204" pitchFamily="34" charset="0"/>
+              <a:buChar char="•"/>
+            </a:pPr>
+            <a:r>
+              <a:rPr lang="ru-RU" sz="1200" dirty="0"/>
+              <a:t>Интеграция с клиентскими приложениями</a:t>
+            </a:r>
+          </a:p>
+        </p:txBody>
+      </p:sp>
+    </p:spTree>
+  </p:cSld>
+  <p:clrMapOvr>
+    <a:masterClrMapping/>
+  </p:clrMapOvr>
+</p:sld>
+</file>
+
+<file path=ppt/slides/slide6.xml><?xml version="1.0" encoding="utf-8"?>
+<p:sld xmlns:a="http://schemas.openxmlformats.org/drawingml/2006/main" xmlns:r="http://schemas.openxmlformats.org/officeDocument/2006/relationships" xmlns:p="http://schemas.openxmlformats.org/presentationml/2006/main">
+  <p:cSld name="Slide 5">
+    <p:spTree>
+      <p:nvGrpSpPr>
+        <p:cNvPr id="1" name=""/>
+        <p:cNvGrpSpPr/>
+        <p:nvPr/>
+      </p:nvGrpSpPr>
+      <p:grpSpPr>
+        <a:xfrm>
+          <a:off x="0" y="0"/>
+          <a:ext cx="0" cy="0"/>
+          <a:chOff x="0" y="0"/>
+          <a:chExt cx="0" cy="0"/>
+        </a:xfrm>
+      </p:grpSpPr>
+      <p:pic>
+        <p:nvPicPr>
+          <p:cNvPr id="3" name="Image 1"/>
+          <p:cNvPicPr>
+            <a:picLocks noChangeAspect="1"/>
+          </p:cNvPicPr>
+          <p:nvPr/>
+        </p:nvPicPr>
+        <p:blipFill>
+          <a:blip r:embed="rId3"/>
+          <a:srcRect/>
+          <a:stretch/>
+        </p:blipFill>
+        <p:spPr>
+          <a:xfrm>
+            <a:off x="1576923" y="1064652"/>
+            <a:ext cx="10615077" cy="4728696"/>
+          </a:xfrm>
+          <a:prstGeom prst="rect">
+            <a:avLst/>
+          </a:prstGeom>
+        </p:spPr>
+      </p:pic>
+      <p:sp>
+        <p:nvSpPr>
+          <p:cNvPr id="5" name="Text 1"/>
+          <p:cNvSpPr/>
+          <p:nvPr/>
+        </p:nvSpPr>
+        <p:spPr>
+          <a:xfrm>
+            <a:off x="4864867" y="150667"/>
+            <a:ext cx="4047980" cy="581891"/>
+          </a:xfrm>
+          <a:prstGeom prst="rect">
+            <a:avLst/>
+          </a:prstGeom>
+          <a:noFill/>
+          <a:ln/>
+        </p:spPr>
+        <p:txBody>
+          <a:bodyPr wrap="square" rtlCol="0" anchor="ctr"/>
+          <a:lstStyle/>
+          <a:p>
+            <a:pPr marL="0" indent="0" algn="l">
+              <a:buNone/>
+            </a:pPr>
+            <a:r>
+              <a:rPr lang="en-US" sz="2200" b="1" dirty="0">
+                <a:solidFill>
+                  <a:srgbClr val="000000"/>
+                </a:solidFill>
+              </a:rPr>
+              <a:t>C4. </a:t>
+            </a:r>
+            <a:r>
+              <a:rPr lang="ru-RU" sz="2200" b="1" dirty="0">
+                <a:solidFill>
+                  <a:srgbClr val="000000"/>
+                </a:solidFill>
+              </a:rPr>
+              <a:t>Уровень компонентов</a:t>
+            </a:r>
+            <a:endParaRPr lang="en-US" sz="2200" dirty="0"/>
+          </a:p>
+        </p:txBody>
+      </p:sp>
+    </p:spTree>
+  </p:cSld>
+  <p:clrMapOvr>
+    <a:masterClrMapping/>
+  </p:clrMapOvr>
+</p:sld>
+</file>
+
+<file path=ppt/slides/slide7.xml><?xml version="1.0" encoding="utf-8"?>
 <p:sld xmlns:a="http://schemas.openxmlformats.org/drawingml/2006/main" xmlns:r="http://schemas.openxmlformats.org/officeDocument/2006/relationships" xmlns:p="http://schemas.openxmlformats.org/presentationml/2006/main">
   <p:cSld>
     <p:spTree>
@@ -10056,548 +10614,6 @@
           </a:graphicData>
         </a:graphic>
       </p:graphicFrame>
-    </p:spTree>
-  </p:cSld>
-  <p:clrMapOvr>
-    <a:masterClrMapping/>
-  </p:clrMapOvr>
-</p:sld>
-</file>
-
-<file path=ppt/slides/slide6.xml><?xml version="1.0" encoding="utf-8"?>
-<p:sld xmlns:a="http://schemas.openxmlformats.org/drawingml/2006/main" xmlns:r="http://schemas.openxmlformats.org/officeDocument/2006/relationships" xmlns:p="http://schemas.openxmlformats.org/presentationml/2006/main">
-  <p:cSld name="Slide 5">
-    <p:spTree>
-      <p:nvGrpSpPr>
-        <p:cNvPr id="1" name=""/>
-        <p:cNvGrpSpPr/>
-        <p:nvPr/>
-      </p:nvGrpSpPr>
-      <p:grpSpPr>
-        <a:xfrm>
-          <a:off x="0" y="0"/>
-          <a:ext cx="0" cy="0"/>
-          <a:chOff x="0" y="0"/>
-          <a:chExt cx="0" cy="0"/>
-        </a:xfrm>
-      </p:grpSpPr>
-      <p:pic>
-        <p:nvPicPr>
-          <p:cNvPr id="3" name="Image 1"/>
-          <p:cNvPicPr>
-            <a:picLocks noChangeAspect="1"/>
-          </p:cNvPicPr>
-          <p:nvPr/>
-        </p:nvPicPr>
-        <p:blipFill>
-          <a:blip r:embed="rId3"/>
-          <a:srcRect/>
-          <a:stretch/>
-        </p:blipFill>
-        <p:spPr>
-          <a:xfrm>
-            <a:off x="1581319" y="913347"/>
-            <a:ext cx="10615077" cy="4728696"/>
-          </a:xfrm>
-          <a:prstGeom prst="rect">
-            <a:avLst/>
-          </a:prstGeom>
-        </p:spPr>
-      </p:pic>
-      <p:sp>
-        <p:nvSpPr>
-          <p:cNvPr id="5" name="Text 1"/>
-          <p:cNvSpPr/>
-          <p:nvPr/>
-        </p:nvSpPr>
-        <p:spPr>
-          <a:xfrm>
-            <a:off x="4864867" y="5961919"/>
-            <a:ext cx="4047980" cy="581891"/>
-          </a:xfrm>
-          <a:prstGeom prst="rect">
-            <a:avLst/>
-          </a:prstGeom>
-          <a:noFill/>
-          <a:ln/>
-        </p:spPr>
-        <p:txBody>
-          <a:bodyPr wrap="square" rtlCol="0" anchor="ctr"/>
-          <a:lstStyle/>
-          <a:p>
-            <a:pPr marL="0" indent="0" algn="l">
-              <a:buNone/>
-            </a:pPr>
-            <a:r>
-              <a:rPr lang="en-US" sz="2200" b="1" dirty="0">
-                <a:solidFill>
-                  <a:srgbClr val="000000"/>
-                </a:solidFill>
-              </a:rPr>
-              <a:t>C4. </a:t>
-            </a:r>
-            <a:r>
-              <a:rPr lang="ru-RU" sz="2200" b="1" dirty="0">
-                <a:solidFill>
-                  <a:srgbClr val="000000"/>
-                </a:solidFill>
-              </a:rPr>
-              <a:t>Уровень компонентов</a:t>
-            </a:r>
-            <a:endParaRPr lang="en-US" sz="2200" dirty="0"/>
-          </a:p>
-        </p:txBody>
-      </p:sp>
-    </p:spTree>
-  </p:cSld>
-  <p:clrMapOvr>
-    <a:masterClrMapping/>
-  </p:clrMapOvr>
-</p:sld>
-</file>
-
-<file path=ppt/slides/slide7.xml><?xml version="1.0" encoding="utf-8"?>
-<p:sld xmlns:a="http://schemas.openxmlformats.org/drawingml/2006/main" xmlns:r="http://schemas.openxmlformats.org/officeDocument/2006/relationships" xmlns:p="http://schemas.openxmlformats.org/presentationml/2006/main">
-  <p:cSld>
-    <p:spTree>
-      <p:nvGrpSpPr>
-        <p:cNvPr id="1" name=""/>
-        <p:cNvGrpSpPr/>
-        <p:nvPr/>
-      </p:nvGrpSpPr>
-      <p:grpSpPr>
-        <a:xfrm>
-          <a:off x="0" y="0"/>
-          <a:ext cx="0" cy="0"/>
-          <a:chOff x="0" y="0"/>
-          <a:chExt cx="0" cy="0"/>
-        </a:xfrm>
-      </p:grpSpPr>
-      <p:sp>
-        <p:nvSpPr>
-          <p:cNvPr id="3" name="Text 0"/>
-          <p:cNvSpPr/>
-          <p:nvPr/>
-        </p:nvSpPr>
-        <p:spPr>
-          <a:xfrm>
-            <a:off x="4196743" y="594725"/>
-            <a:ext cx="5458999" cy="581891"/>
-          </a:xfrm>
-          <a:prstGeom prst="rect">
-            <a:avLst/>
-          </a:prstGeom>
-          <a:noFill/>
-          <a:ln/>
-        </p:spPr>
-        <p:txBody>
-          <a:bodyPr wrap="square" rtlCol="0" anchor="ctr"/>
-          <a:lstStyle/>
-          <a:p>
-            <a:pPr marL="0" indent="0" algn="l">
-              <a:buNone/>
-            </a:pPr>
-            <a:r>
-              <a:rPr lang="ru-RU" sz="2200" b="1" dirty="0">
-                <a:solidFill>
-                  <a:srgbClr val="000000"/>
-                </a:solidFill>
-              </a:rPr>
-              <a:t>Требования к REST API онлайн-магазина</a:t>
-            </a:r>
-            <a:endParaRPr lang="en-US" sz="2200" dirty="0"/>
-          </a:p>
-        </p:txBody>
-      </p:sp>
-      <p:sp>
-        <p:nvSpPr>
-          <p:cNvPr id="4" name="Text 1"/>
-          <p:cNvSpPr/>
-          <p:nvPr/>
-        </p:nvSpPr>
-        <p:spPr>
-          <a:xfrm>
-            <a:off x="1968868" y="1738563"/>
-            <a:ext cx="4849091" cy="4305956"/>
-          </a:xfrm>
-          <a:prstGeom prst="rect">
-            <a:avLst/>
-          </a:prstGeom>
-          <a:solidFill>
-            <a:schemeClr val="accent1">
-              <a:lumMod val="40000"/>
-              <a:lumOff val="60000"/>
-            </a:schemeClr>
-          </a:solidFill>
-          <a:ln/>
-        </p:spPr>
-        <p:txBody>
-          <a:bodyPr wrap="square" rtlCol="0" anchor="ctr"/>
-          <a:lstStyle/>
-          <a:p>
-            <a:r>
-              <a:rPr lang="ru-RU" sz="1600" b="1" dirty="0"/>
-              <a:t>Функциональные требования</a:t>
-            </a:r>
-          </a:p>
-          <a:p>
-            <a:endParaRPr lang="ru-RU" sz="1200" b="1" dirty="0"/>
-          </a:p>
-          <a:p>
-            <a:r>
-              <a:rPr lang="ru-RU" sz="1200" b="1" dirty="0"/>
-              <a:t>Бизнес-требования:</a:t>
-            </a:r>
-            <a:endParaRPr lang="ru-RU" sz="1200" dirty="0"/>
-          </a:p>
-          <a:p>
-            <a:pPr marL="171450" indent="-171450">
-              <a:buFont typeface="Arial" panose="020B0604020202020204" pitchFamily="34" charset="0"/>
-              <a:buChar char="•"/>
-            </a:pPr>
-            <a:r>
-              <a:rPr lang="ru-RU" sz="1200" dirty="0"/>
-              <a:t>Полный CRUD для товаров, заказов, пользователей</a:t>
-            </a:r>
-          </a:p>
-          <a:p>
-            <a:pPr marL="171450" indent="-171450">
-              <a:buFont typeface="Arial" panose="020B0604020202020204" pitchFamily="34" charset="0"/>
-              <a:buChar char="•"/>
-            </a:pPr>
-            <a:r>
-              <a:rPr lang="ru-RU" sz="1200" dirty="0"/>
-              <a:t>Автоматизация бизнес-процессов через API</a:t>
-            </a:r>
-          </a:p>
-          <a:p>
-            <a:pPr marL="171450" indent="-171450">
-              <a:buFont typeface="Arial" panose="020B0604020202020204" pitchFamily="34" charset="0"/>
-              <a:buChar char="•"/>
-            </a:pPr>
-            <a:r>
-              <a:rPr lang="ru-RU" sz="1200" dirty="0"/>
-              <a:t>Валидация данных и контроль доступа (JWT)</a:t>
-            </a:r>
-          </a:p>
-          <a:p>
-            <a:pPr marL="171450" indent="-171450">
-              <a:buFont typeface="Arial" panose="020B0604020202020204" pitchFamily="34" charset="0"/>
-              <a:buChar char="•"/>
-            </a:pPr>
-            <a:r>
-              <a:rPr lang="ru-RU" sz="1200" dirty="0"/>
-              <a:t>Разделение прав: пользователи → заказы, админы → товары</a:t>
-            </a:r>
-          </a:p>
-          <a:p>
-            <a:endParaRPr lang="en-US" sz="1200" b="1" dirty="0"/>
-          </a:p>
-          <a:p>
-            <a:r>
-              <a:rPr lang="ru-RU" sz="1200" b="1" dirty="0"/>
-              <a:t>Клиентское приложение:</a:t>
-            </a:r>
-            <a:endParaRPr lang="ru-RU" sz="1200" dirty="0"/>
-          </a:p>
-          <a:p>
-            <a:pPr marL="171450" indent="-171450">
-              <a:buFont typeface="Arial" panose="020B0604020202020204" pitchFamily="34" charset="0"/>
-              <a:buChar char="•"/>
-            </a:pPr>
-            <a:r>
-              <a:rPr lang="ru-RU" sz="1200" dirty="0"/>
-              <a:t>Просмотр товаров с пагинацией и фильтрацией</a:t>
-            </a:r>
-          </a:p>
-          <a:p>
-            <a:pPr marL="171450" indent="-171450">
-              <a:buFont typeface="Arial" panose="020B0604020202020204" pitchFamily="34" charset="0"/>
-              <a:buChar char="•"/>
-            </a:pPr>
-            <a:r>
-              <a:rPr lang="ru-RU" sz="1200" dirty="0"/>
-              <a:t>Управление корзиной покупок</a:t>
-            </a:r>
-          </a:p>
-          <a:p>
-            <a:pPr marL="171450" indent="-171450">
-              <a:buFont typeface="Arial" panose="020B0604020202020204" pitchFamily="34" charset="0"/>
-              <a:buChar char="•"/>
-            </a:pPr>
-            <a:r>
-              <a:rPr lang="ru-RU" sz="1200" dirty="0"/>
-              <a:t>Создание и отслеживание заказов</a:t>
-            </a:r>
-          </a:p>
-          <a:p>
-            <a:pPr marL="171450" indent="-171450">
-              <a:buFont typeface="Arial" panose="020B0604020202020204" pitchFamily="34" charset="0"/>
-              <a:buChar char="•"/>
-            </a:pPr>
-            <a:r>
-              <a:rPr lang="ru-RU" sz="1200" dirty="0"/>
-              <a:t>Регистрация и аутентификация пользователей</a:t>
-            </a:r>
-          </a:p>
-          <a:p>
-            <a:endParaRPr lang="en-US" sz="1200" b="1" dirty="0"/>
-          </a:p>
-          <a:p>
-            <a:r>
-              <a:rPr lang="ru-RU" sz="1200" b="1" dirty="0"/>
-              <a:t>Административная система:</a:t>
-            </a:r>
-            <a:endParaRPr lang="ru-RU" sz="1200" dirty="0"/>
-          </a:p>
-          <a:p>
-            <a:pPr marL="171450" indent="-171450">
-              <a:buFont typeface="Arial" panose="020B0604020202020204" pitchFamily="34" charset="0"/>
-              <a:buChar char="•"/>
-            </a:pPr>
-            <a:r>
-              <a:rPr lang="ru-RU" sz="1200" dirty="0"/>
-              <a:t>Полное управление товарным каталогом (CRUD)</a:t>
-            </a:r>
-          </a:p>
-          <a:p>
-            <a:pPr marL="171450" indent="-171450">
-              <a:buFont typeface="Arial" panose="020B0604020202020204" pitchFamily="34" charset="0"/>
-              <a:buChar char="•"/>
-            </a:pPr>
-            <a:r>
-              <a:rPr lang="ru-RU" sz="1200" dirty="0"/>
-              <a:t>Управление статусами заказов и пользователями</a:t>
-            </a:r>
-          </a:p>
-          <a:p>
-            <a:pPr marL="171450" indent="-171450">
-              <a:buFont typeface="Arial" panose="020B0604020202020204" pitchFamily="34" charset="0"/>
-              <a:buChar char="•"/>
-            </a:pPr>
-            <a:r>
-              <a:rPr lang="ru-RU" sz="1200" dirty="0"/>
-              <a:t>Аналитика продаж</a:t>
-            </a:r>
-          </a:p>
-          <a:p>
-            <a:pPr marL="171450" indent="-171450">
-              <a:buFont typeface="Arial" panose="020B0604020202020204" pitchFamily="34" charset="0"/>
-              <a:buChar char="•"/>
-            </a:pPr>
-            <a:r>
-              <a:rPr lang="ru-RU" sz="1200" dirty="0"/>
-              <a:t>Модерация пользователей</a:t>
-            </a:r>
-          </a:p>
-          <a:p>
-            <a:endParaRPr lang="en-US" sz="1200" b="1" dirty="0"/>
-          </a:p>
-          <a:p>
-            <a:r>
-              <a:rPr lang="ru-RU" sz="1200" b="1" dirty="0"/>
-              <a:t>Ключевые эндпоинты:</a:t>
-            </a:r>
-            <a:endParaRPr lang="ru-RU" sz="1200" dirty="0"/>
-          </a:p>
-          <a:p>
-            <a:pPr marL="171450" indent="-171450">
-              <a:buFont typeface="Wingdings" panose="05000000000000000000" pitchFamily="2" charset="2"/>
-              <a:buChar char="Ø"/>
-            </a:pPr>
-            <a:r>
-              <a:rPr lang="ru-RU" sz="1200" dirty="0"/>
-              <a:t>Товары: GET/POST/PUT/DELETE /api/products</a:t>
-            </a:r>
-          </a:p>
-          <a:p>
-            <a:pPr marL="171450" indent="-171450">
-              <a:buFont typeface="Wingdings" panose="05000000000000000000" pitchFamily="2" charset="2"/>
-              <a:buChar char="Ø"/>
-            </a:pPr>
-            <a:r>
-              <a:rPr lang="ru-RU" sz="1200" dirty="0"/>
-              <a:t>Заказы: GET/POST/PUT/DELETE /api/orders</a:t>
-            </a:r>
-          </a:p>
-        </p:txBody>
-      </p:sp>
-      <p:sp>
-        <p:nvSpPr>
-          <p:cNvPr id="5" name="Text 2"/>
-          <p:cNvSpPr/>
-          <p:nvPr/>
-        </p:nvSpPr>
-        <p:spPr>
-          <a:xfrm>
-            <a:off x="7154844" y="1738562"/>
-            <a:ext cx="4467662" cy="4305955"/>
-          </a:xfrm>
-          <a:prstGeom prst="rect">
-            <a:avLst/>
-          </a:prstGeom>
-          <a:solidFill>
-            <a:schemeClr val="accent1">
-              <a:lumMod val="40000"/>
-              <a:lumOff val="60000"/>
-            </a:schemeClr>
-          </a:solidFill>
-          <a:ln/>
-        </p:spPr>
-        <p:txBody>
-          <a:bodyPr wrap="square" rtlCol="0" anchor="ctr"/>
-          <a:lstStyle/>
-          <a:p>
-            <a:r>
-              <a:rPr lang="ru-RU" sz="1600" b="1" dirty="0"/>
-              <a:t>Нефункциональные требования</a:t>
-            </a:r>
-          </a:p>
-          <a:p>
-            <a:endParaRPr lang="en-US" sz="1200" b="1" dirty="0"/>
-          </a:p>
-          <a:p>
-            <a:endParaRPr lang="en-US" sz="1200" b="1" dirty="0"/>
-          </a:p>
-          <a:p>
-            <a:endParaRPr lang="en-US" sz="1200" b="1" dirty="0"/>
-          </a:p>
-          <a:p>
-            <a:r>
-              <a:rPr lang="ru-RU" sz="1200" b="1" dirty="0"/>
-              <a:t>Производительность:</a:t>
-            </a:r>
-            <a:endParaRPr lang="ru-RU" sz="1200" dirty="0"/>
-          </a:p>
-          <a:p>
-            <a:r>
-              <a:rPr lang="ru-RU" sz="1200" dirty="0"/>
-              <a:t>Время ответа:</a:t>
-            </a:r>
-          </a:p>
-          <a:p>
-            <a:pPr lvl="1"/>
-            <a:r>
-              <a:rPr lang="ru-RU" sz="1200" dirty="0"/>
-              <a:t>Операции чтения: ≤ 50 мс</a:t>
-            </a:r>
-          </a:p>
-          <a:p>
-            <a:pPr lvl="1"/>
-            <a:r>
-              <a:rPr lang="ru-RU" sz="1200" dirty="0"/>
-              <a:t>Создание/обновление: ≤ 100 мс</a:t>
-            </a:r>
-          </a:p>
-          <a:p>
-            <a:pPr lvl="1"/>
-            <a:r>
-              <a:rPr lang="ru-RU" sz="1200" dirty="0"/>
-              <a:t>Транзакции (заказы): ≤ 200 мс</a:t>
-            </a:r>
-          </a:p>
-          <a:p>
-            <a:r>
-              <a:rPr lang="ru-RU" sz="1200" dirty="0"/>
-              <a:t>Нагрузка:</a:t>
-            </a:r>
-          </a:p>
-          <a:p>
-            <a:pPr lvl="1"/>
-            <a:r>
-              <a:rPr lang="ru-RU" sz="1200" dirty="0"/>
-              <a:t>Эндпоинты чтения: 1000 RPS</a:t>
-            </a:r>
-          </a:p>
-          <a:p>
-            <a:pPr lvl="1"/>
-            <a:r>
-              <a:rPr lang="ru-RU" sz="1200" dirty="0"/>
-              <a:t>Эндпоинты записи: 100 RPS</a:t>
-            </a:r>
-          </a:p>
-          <a:p>
-            <a:endParaRPr lang="en-US" sz="1200" b="1" dirty="0"/>
-          </a:p>
-          <a:p>
-            <a:r>
-              <a:rPr lang="ru-RU" sz="1200" b="1" dirty="0"/>
-              <a:t>Надежность:</a:t>
-            </a:r>
-            <a:endParaRPr lang="ru-RU" sz="1200" dirty="0"/>
-          </a:p>
-          <a:p>
-            <a:pPr marL="171450" indent="-171450">
-              <a:buFont typeface="Arial" panose="020B0604020202020204" pitchFamily="34" charset="0"/>
-              <a:buChar char="•"/>
-            </a:pPr>
-            <a:r>
-              <a:rPr lang="ru-RU" sz="1200" dirty="0"/>
-              <a:t>Атомарность транзакций (PostgreSQL)</a:t>
-            </a:r>
-          </a:p>
-          <a:p>
-            <a:pPr marL="171450" indent="-171450">
-              <a:buFont typeface="Arial" panose="020B0604020202020204" pitchFamily="34" charset="0"/>
-              <a:buChar char="•"/>
-            </a:pPr>
-            <a:r>
-              <a:rPr lang="ru-RU" sz="1200" dirty="0"/>
-              <a:t>Целостность данных (ссылочная целостность на уровне API)</a:t>
-            </a:r>
-          </a:p>
-          <a:p>
-            <a:pPr marL="171450" indent="-171450">
-              <a:buFont typeface="Arial" panose="020B0604020202020204" pitchFamily="34" charset="0"/>
-              <a:buChar char="•"/>
-            </a:pPr>
-            <a:r>
-              <a:rPr lang="ru-RU" sz="1200" dirty="0"/>
-              <a:t>Откат при ошибках в сложных операциях</a:t>
-            </a:r>
-          </a:p>
-          <a:p>
-            <a:endParaRPr lang="en-US" sz="1200" b="1" dirty="0"/>
-          </a:p>
-          <a:p>
-            <a:r>
-              <a:rPr lang="ru-RU" sz="1200" b="1" dirty="0"/>
-              <a:t>Архитектура:</a:t>
-            </a:r>
-            <a:endParaRPr lang="ru-RU" sz="1200" dirty="0"/>
-          </a:p>
-          <a:p>
-            <a:pPr marL="171450" indent="-171450">
-              <a:buFont typeface="Arial" panose="020B0604020202020204" pitchFamily="34" charset="0"/>
-              <a:buChar char="•"/>
-            </a:pPr>
-            <a:r>
-              <a:rPr lang="ru-RU" sz="1200" dirty="0"/>
-              <a:t>RESTful стандарты (HTTP методы, коды состояния)</a:t>
-            </a:r>
-          </a:p>
-          <a:p>
-            <a:pPr marL="171450" indent="-171450">
-              <a:buFont typeface="Arial" panose="020B0604020202020204" pitchFamily="34" charset="0"/>
-              <a:buChar char="•"/>
-            </a:pPr>
-            <a:r>
-              <a:rPr lang="ru-RU" sz="1200" dirty="0"/>
-              <a:t>Валидация входных данных для всех операций</a:t>
-            </a:r>
-          </a:p>
-          <a:p>
-            <a:pPr marL="171450" indent="-171450">
-              <a:buFont typeface="Arial" panose="020B0604020202020204" pitchFamily="34" charset="0"/>
-              <a:buChar char="•"/>
-            </a:pPr>
-            <a:r>
-              <a:rPr lang="ru-RU" sz="1200" dirty="0"/>
-              <a:t>Интеграция с клиентскими приложениями</a:t>
-            </a:r>
-          </a:p>
-        </p:txBody>
-      </p:sp>
     </p:spTree>
   </p:cSld>
   <p:clrMapOvr>
